--- a/3.学穿Binder篇/ppt与思维导图/学习 Binder 的预备知识1.pptx
+++ b/3.学穿Binder篇/ppt与思维导图/学习 Binder 的预备知识1.pptx
@@ -3159,7 +3159,7 @@
       </p:sp>
       <p:pic>
         <p:nvPicPr>
-          <p:cNvPr id="4" name="内容占位符 3"/>
+          <p:cNvPr id="6" name="内容占位符 5"/>
           <p:cNvPicPr>
             <a:picLocks noChangeAspect="1"/>
           </p:cNvPicPr>
@@ -3178,36 +3178,8 @@
         </p:blipFill>
         <p:spPr>
           <a:xfrm>
-            <a:off x="1623060" y="2470150"/>
-            <a:ext cx="2442210" cy="2388235"/>
-          </a:xfrm>
-          <a:prstGeom prst="rect">
-            <a:avLst/>
-          </a:prstGeom>
-        </p:spPr>
-      </p:pic>
-      <p:pic>
-        <p:nvPicPr>
-          <p:cNvPr id="5" name="图片 4"/>
-          <p:cNvPicPr>
-            <a:picLocks noChangeAspect="1"/>
-          </p:cNvPicPr>
-          <p:nvPr>
-            <p:custDataLst>
-              <p:tags r:id="rId3"/>
-            </p:custDataLst>
-          </p:nvPr>
-        </p:nvPicPr>
-        <p:blipFill>
-          <a:blip r:embed="rId4"/>
-          <a:stretch>
-            <a:fillRect/>
-          </a:stretch>
-        </p:blipFill>
-        <p:spPr>
-          <a:xfrm>
-            <a:off x="5983605" y="2470150"/>
-            <a:ext cx="2336800" cy="2298700"/>
+            <a:off x="1236345" y="1386840"/>
+            <a:ext cx="9126855" cy="4941570"/>
           </a:xfrm>
           <a:prstGeom prst="rect">
             <a:avLst/>
@@ -3216,7 +3188,7 @@
       </p:pic>
     </p:spTree>
     <p:custDataLst>
-      <p:tags r:id="rId5"/>
+      <p:tags r:id="rId3"/>
     </p:custDataLst>
   </p:cSld>
   <p:clrMapOvr>
@@ -4088,19 +4060,13 @@
 
 <file path=ppt/tags/tag65.xml><?xml version="1.0" encoding="utf-8"?>
 <p:tagLst xmlns:p="http://schemas.openxmlformats.org/presentationml/2006/main">
-  <p:tag name="KSO_WM_BEAUTIFY_FLAG" val=""/>
-</p:tagLst>
-</file>
-
-<file path=ppt/tags/tag66.xml><?xml version="1.0" encoding="utf-8"?>
-<p:tagLst xmlns:p="http://schemas.openxmlformats.org/presentationml/2006/main">
   <p:tag name="KSO_WM_BEAUTIFY_FLAG" val="#wm#"/>
   <p:tag name="KSO_WM_TEMPLATE_CATEGORY" val="custom"/>
   <p:tag name="KSO_WM_TEMPLATE_INDEX" val="20205176"/>
 </p:tagLst>
 </file>
 
-<file path=ppt/tags/tag67.xml><?xml version="1.0" encoding="utf-8"?>
+<file path=ppt/tags/tag66.xml><?xml version="1.0" encoding="utf-8"?>
 <p:tagLst xmlns:p="http://schemas.openxmlformats.org/presentationml/2006/main">
   <p:tag name="KSO_WM_BEAUTIFY_FLAG" val="#wm#"/>
   <p:tag name="KSO_WM_TEMPLATE_CATEGORY" val="custom"/>
@@ -4108,7 +4074,7 @@
 </p:tagLst>
 </file>
 
-<file path=ppt/tags/tag68.xml><?xml version="1.0" encoding="utf-8"?>
+<file path=ppt/tags/tag67.xml><?xml version="1.0" encoding="utf-8"?>
 <p:tagLst xmlns:p="http://schemas.openxmlformats.org/presentationml/2006/main">
   <p:tag name="COMMONDATA" val="eyJoZGlkIjoiNjE5OWZjMGE3NGM4M2EwN2I0NjRjNjE5ZDIxZDM4MDkifQ=="/>
   <p:tag name="KSO_WPP_MARK_KEY" val="5808e190-caa7-42c4-8dc4-cf4b27055064"/>
